--- a/Power point bài tập lớn.pptx
+++ b/Power point bài tập lớn.pptx
@@ -12,11 +12,10 @@
     <p:sldId id="342" r:id="rId6"/>
     <p:sldId id="344" r:id="rId7"/>
     <p:sldId id="345" r:id="rId8"/>
-    <p:sldId id="346" r:id="rId9"/>
-    <p:sldId id="341" r:id="rId10"/>
-    <p:sldId id="309" r:id="rId11"/>
-    <p:sldId id="298" r:id="rId12"/>
-    <p:sldId id="301" r:id="rId13"/>
+    <p:sldId id="341" r:id="rId9"/>
+    <p:sldId id="309" r:id="rId10"/>
+    <p:sldId id="298" r:id="rId11"/>
+    <p:sldId id="301" r:id="rId12"/>
   </p:sldIdLst>
   <p:sldSz cx="12192000" cy="6858000"/>
   <p:notesSz cx="6858000" cy="9144000"/>
@@ -125,7 +124,6 @@
             <p14:sldId id="342"/>
             <p14:sldId id="344"/>
             <p14:sldId id="345"/>
-            <p14:sldId id="346"/>
             <p14:sldId id="341"/>
             <p14:sldId id="309"/>
             <p14:sldId id="298"/>
@@ -15181,230 +15179,6 @@
 </p:sld>
 </file>
 
-<file path=ppt/slides/slide10.xml><?xml version="1.0" encoding="utf-8"?>
-<p:sld xmlns:a="http://schemas.openxmlformats.org/drawingml/2006/main" xmlns:r="http://schemas.openxmlformats.org/officeDocument/2006/relationships" xmlns:p="http://schemas.openxmlformats.org/presentationml/2006/main">
-  <p:cSld>
-    <p:spTree>
-      <p:nvGrpSpPr>
-        <p:cNvPr id="1" name=""/>
-        <p:cNvGrpSpPr/>
-        <p:nvPr/>
-      </p:nvGrpSpPr>
-      <p:grpSpPr>
-        <a:xfrm>
-          <a:off x="0" y="0"/>
-          <a:ext cx="0" cy="0"/>
-          <a:chOff x="0" y="0"/>
-          <a:chExt cx="0" cy="0"/>
-        </a:xfrm>
-      </p:grpSpPr>
-      <p:sp>
-        <p:nvSpPr>
-          <p:cNvPr id="11" name="Rectangle 10">
-            <a:extLst>
-              <a:ext uri="{FF2B5EF4-FFF2-40B4-BE49-F238E27FC236}">
-                <a16:creationId xmlns:a16="http://schemas.microsoft.com/office/drawing/2014/main" id="{88CEC6EF-3D6C-421F-B82A-F3549DDDEB81}"/>
-              </a:ext>
-            </a:extLst>
-          </p:cNvPr>
-          <p:cNvSpPr/>
-          <p:nvPr/>
-        </p:nvSpPr>
-        <p:spPr>
-          <a:xfrm>
-            <a:off x="0" y="2373923"/>
-            <a:ext cx="12192000" cy="2110154"/>
-          </a:xfrm>
-          <a:prstGeom prst="rect">
-            <a:avLst/>
-          </a:prstGeom>
-          <a:solidFill>
-            <a:schemeClr val="accent5">
-              <a:alpha val="70000"/>
-            </a:schemeClr>
-          </a:solidFill>
-          <a:ln>
-            <a:noFill/>
-          </a:ln>
-        </p:spPr>
-        <p:style>
-          <a:lnRef idx="2">
-            <a:schemeClr val="accent1">
-              <a:shade val="50000"/>
-            </a:schemeClr>
-          </a:lnRef>
-          <a:fillRef idx="1">
-            <a:schemeClr val="accent1"/>
-          </a:fillRef>
-          <a:effectRef idx="0">
-            <a:schemeClr val="accent1"/>
-          </a:effectRef>
-          <a:fontRef idx="minor">
-            <a:schemeClr val="lt1"/>
-          </a:fontRef>
-        </p:style>
-        <p:txBody>
-          <a:bodyPr rtlCol="0" anchor="ctr"/>
-          <a:lstStyle/>
-          <a:p>
-            <a:pPr algn="ctr"/>
-            <a:endParaRPr lang="en-US"/>
-          </a:p>
-        </p:txBody>
-      </p:sp>
-      <p:grpSp>
-        <p:nvGrpSpPr>
-          <p:cNvPr id="10" name="Group 9">
-            <a:extLst>
-              <a:ext uri="{FF2B5EF4-FFF2-40B4-BE49-F238E27FC236}">
-                <a16:creationId xmlns:a16="http://schemas.microsoft.com/office/drawing/2014/main" id="{A3070579-6F03-474B-AE81-BC0EF41048BD}"/>
-              </a:ext>
-            </a:extLst>
-          </p:cNvPr>
-          <p:cNvGrpSpPr/>
-          <p:nvPr/>
-        </p:nvGrpSpPr>
-        <p:grpSpPr>
-          <a:xfrm>
-            <a:off x="0" y="2861840"/>
-            <a:ext cx="12192000" cy="1397529"/>
-            <a:chOff x="0" y="2851938"/>
-            <a:chExt cx="12192000" cy="1397529"/>
-          </a:xfrm>
-        </p:grpSpPr>
-        <p:sp>
-          <p:nvSpPr>
-            <p:cNvPr id="2" name="TextBox 1">
-              <a:extLst>
-                <a:ext uri="{FF2B5EF4-FFF2-40B4-BE49-F238E27FC236}">
-                  <a16:creationId xmlns:a16="http://schemas.microsoft.com/office/drawing/2014/main" id="{29E2714A-BE29-4E83-A155-D5802C472B0A}"/>
-                </a:ext>
-              </a:extLst>
-            </p:cNvPr>
-            <p:cNvSpPr txBox="1"/>
-            <p:nvPr/>
-          </p:nvSpPr>
-          <p:spPr>
-            <a:xfrm>
-              <a:off x="0" y="2851938"/>
-              <a:ext cx="12192000" cy="830997"/>
-            </a:xfrm>
-            <a:prstGeom prst="rect">
-              <a:avLst/>
-            </a:prstGeom>
-            <a:noFill/>
-          </p:spPr>
-          <p:txBody>
-            <a:bodyPr wrap="square" rtlCol="0" anchor="ctr">
-              <a:spAutoFit/>
-            </a:bodyPr>
-            <a:lstStyle/>
-            <a:p>
-              <a:pPr algn="ctr"/>
-              <a:r>
-                <a:rPr lang="vi-VN" altLang="ko-KR" sz="4800">
-                  <a:solidFill>
-                    <a:schemeClr val="bg1"/>
-                  </a:solidFill>
-                  <a:latin typeface="+mj-lt"/>
-                  <a:cs typeface="Segoe UI" panose="020B0502040204020203" pitchFamily="34" charset="0"/>
-                </a:rPr>
-                <a:t>CẢM ƠN VÌ ĐÃ LẮNG NGHE</a:t>
-              </a:r>
-              <a:r>
-                <a:rPr lang="en-US" altLang="ko-KR" sz="4800">
-                  <a:solidFill>
-                    <a:schemeClr val="bg1"/>
-                  </a:solidFill>
-                  <a:latin typeface="+mj-lt"/>
-                  <a:cs typeface="Segoe UI" panose="020B0502040204020203" pitchFamily="34" charset="0"/>
-                </a:rPr>
-                <a:t>!</a:t>
-              </a:r>
-              <a:endParaRPr lang="ko-KR" altLang="en-US" sz="4800">
-                <a:solidFill>
-                  <a:schemeClr val="bg1"/>
-                </a:solidFill>
-                <a:latin typeface="+mj-lt"/>
-                <a:cs typeface="Segoe UI" panose="020B0502040204020203" pitchFamily="34" charset="0"/>
-              </a:endParaRPr>
-            </a:p>
-          </p:txBody>
-        </p:sp>
-        <p:sp>
-          <p:nvSpPr>
-            <p:cNvPr id="3" name="TextBox 2">
-              <a:extLst>
-                <a:ext uri="{FF2B5EF4-FFF2-40B4-BE49-F238E27FC236}">
-                  <a16:creationId xmlns:a16="http://schemas.microsoft.com/office/drawing/2014/main" id="{279A9243-91CB-437D-9D82-6D402B13F59A}"/>
-                </a:ext>
-              </a:extLst>
-            </p:cNvPr>
-            <p:cNvSpPr txBox="1"/>
-            <p:nvPr/>
-          </p:nvSpPr>
-          <p:spPr>
-            <a:xfrm>
-              <a:off x="148" y="3772413"/>
-              <a:ext cx="12191852" cy="477054"/>
-            </a:xfrm>
-            <a:prstGeom prst="rect">
-              <a:avLst/>
-            </a:prstGeom>
-            <a:noFill/>
-          </p:spPr>
-          <p:txBody>
-            <a:bodyPr wrap="square" rtlCol="0" anchor="ctr">
-              <a:spAutoFit/>
-            </a:bodyPr>
-            <a:lstStyle/>
-            <a:p>
-              <a:pPr algn="ctr"/>
-              <a:r>
-                <a:rPr lang="en-US" altLang="ko-KR" sz="2500">
-                  <a:solidFill>
-                    <a:schemeClr val="bg1"/>
-                  </a:solidFill>
-                  <a:latin typeface="+mj-lt"/>
-                  <a:cs typeface="Segoe UI" panose="020B0502040204020203" pitchFamily="34" charset="0"/>
-                </a:rPr>
-                <a:t>Chúng tôi rất vui khi thấy ý kiến của bạn </a:t>
-              </a:r>
-              <a:r>
-                <a:rPr lang="en-US" altLang="ko-KR" sz="2500">
-                  <a:solidFill>
-                    <a:schemeClr val="bg1"/>
-                  </a:solidFill>
-                  <a:latin typeface="+mj-lt"/>
-                  <a:cs typeface="Segoe UI" panose="020B0502040204020203" pitchFamily="34" charset="0"/>
-                  <a:sym typeface="Wingdings" panose="05000000000000000000" pitchFamily="2" charset="2"/>
-                </a:rPr>
-                <a:t></a:t>
-              </a:r>
-              <a:endParaRPr lang="ko-KR" altLang="en-US" sz="2500">
-                <a:solidFill>
-                  <a:schemeClr val="bg1"/>
-                </a:solidFill>
-                <a:latin typeface="+mj-lt"/>
-                <a:cs typeface="Segoe UI" panose="020B0502040204020203" pitchFamily="34" charset="0"/>
-              </a:endParaRPr>
-            </a:p>
-          </p:txBody>
-        </p:sp>
-      </p:grpSp>
-    </p:spTree>
-    <p:extLst>
-      <p:ext uri="{BB962C8B-B14F-4D97-AF65-F5344CB8AC3E}">
-        <p14:creationId xmlns:p14="http://schemas.microsoft.com/office/powerpoint/2010/main" val="1241158067"/>
-      </p:ext>
-    </p:extLst>
-  </p:cSld>
-  <p:clrMapOvr>
-    <a:masterClrMapping/>
-  </p:clrMapOvr>
-</p:sld>
-</file>
-
 <file path=ppt/slides/slide2.xml><?xml version="1.0" encoding="utf-8"?>
 <p:sld xmlns:a="http://schemas.openxmlformats.org/drawingml/2006/main" xmlns:r="http://schemas.openxmlformats.org/officeDocument/2006/relationships" xmlns:p="http://schemas.openxmlformats.org/presentationml/2006/main">
   <p:cSld>
@@ -16524,8 +16298,8 @@
         </p:nvSpPr>
         <p:spPr>
           <a:xfrm>
-            <a:off x="3883740" y="1378537"/>
-            <a:ext cx="6105832" cy="458074"/>
+            <a:off x="3485807" y="1091618"/>
+            <a:ext cx="6105832" cy="3380413"/>
           </a:xfrm>
           <a:prstGeom prst="rect">
             <a:avLst/>
@@ -16547,7 +16321,7 @@
               </a:spcAft>
             </a:pPr>
             <a:r>
-              <a:rPr lang="vi-VN" sz="1800" b="1">
+              <a:rPr lang="vi-VN" sz="1800" b="1" dirty="0">
                 <a:solidFill>
                   <a:schemeClr val="bg1"/>
                 </a:solidFill>
@@ -16558,7 +16332,7 @@
               <a:t>1 </a:t>
             </a:r>
             <a:r>
-              <a:rPr lang="en-US" sz="1800" b="1">
+              <a:rPr lang="en-US" sz="1800" b="1" dirty="0" err="1">
                 <a:solidFill>
                   <a:schemeClr val="bg1"/>
                 </a:solidFill>
@@ -16566,9 +16340,163 @@
                 <a:latin typeface="Times New Roman" panose="02020603050405020304" pitchFamily="18" charset="0"/>
                 <a:ea typeface="Times New Roman" panose="02020603050405020304" pitchFamily="18" charset="0"/>
               </a:rPr>
-              <a:t>Vai trò của việc phân tích rủi ro</a:t>
+              <a:t>Vai</a:t>
             </a:r>
-            <a:endParaRPr lang="en-US" sz="1800">
+            <a:r>
+              <a:rPr lang="en-US" sz="1800" b="1" dirty="0">
+                <a:solidFill>
+                  <a:schemeClr val="bg1"/>
+                </a:solidFill>
+                <a:effectLst/>
+                <a:latin typeface="Times New Roman" panose="02020603050405020304" pitchFamily="18" charset="0"/>
+                <a:ea typeface="Times New Roman" panose="02020603050405020304" pitchFamily="18" charset="0"/>
+              </a:rPr>
+              <a:t> </a:t>
+            </a:r>
+            <a:r>
+              <a:rPr lang="en-US" sz="1800" b="1" dirty="0" err="1">
+                <a:solidFill>
+                  <a:schemeClr val="bg1"/>
+                </a:solidFill>
+                <a:effectLst/>
+                <a:latin typeface="Times New Roman" panose="02020603050405020304" pitchFamily="18" charset="0"/>
+                <a:ea typeface="Times New Roman" panose="02020603050405020304" pitchFamily="18" charset="0"/>
+              </a:rPr>
+              <a:t>trò</a:t>
+            </a:r>
+            <a:r>
+              <a:rPr lang="en-US" sz="1800" b="1" dirty="0">
+                <a:solidFill>
+                  <a:schemeClr val="bg1"/>
+                </a:solidFill>
+                <a:effectLst/>
+                <a:latin typeface="Times New Roman" panose="02020603050405020304" pitchFamily="18" charset="0"/>
+                <a:ea typeface="Times New Roman" panose="02020603050405020304" pitchFamily="18" charset="0"/>
+              </a:rPr>
+              <a:t> </a:t>
+            </a:r>
+            <a:r>
+              <a:rPr lang="en-US" sz="1800" b="1" dirty="0" err="1">
+                <a:solidFill>
+                  <a:schemeClr val="bg1"/>
+                </a:solidFill>
+                <a:effectLst/>
+                <a:latin typeface="Times New Roman" panose="02020603050405020304" pitchFamily="18" charset="0"/>
+                <a:ea typeface="Times New Roman" panose="02020603050405020304" pitchFamily="18" charset="0"/>
+              </a:rPr>
+              <a:t>của</a:t>
+            </a:r>
+            <a:r>
+              <a:rPr lang="en-US" sz="1800" b="1" dirty="0">
+                <a:solidFill>
+                  <a:schemeClr val="bg1"/>
+                </a:solidFill>
+                <a:effectLst/>
+                <a:latin typeface="Times New Roman" panose="02020603050405020304" pitchFamily="18" charset="0"/>
+                <a:ea typeface="Times New Roman" panose="02020603050405020304" pitchFamily="18" charset="0"/>
+              </a:rPr>
+              <a:t> </a:t>
+            </a:r>
+            <a:r>
+              <a:rPr lang="en-US" sz="1800" b="1" dirty="0" err="1">
+                <a:solidFill>
+                  <a:schemeClr val="bg1"/>
+                </a:solidFill>
+                <a:effectLst/>
+                <a:latin typeface="Times New Roman" panose="02020603050405020304" pitchFamily="18" charset="0"/>
+                <a:ea typeface="Times New Roman" panose="02020603050405020304" pitchFamily="18" charset="0"/>
+              </a:rPr>
+              <a:t>việc</a:t>
+            </a:r>
+            <a:r>
+              <a:rPr lang="en-US" sz="1800" b="1" dirty="0">
+                <a:solidFill>
+                  <a:schemeClr val="bg1"/>
+                </a:solidFill>
+                <a:effectLst/>
+                <a:latin typeface="Times New Roman" panose="02020603050405020304" pitchFamily="18" charset="0"/>
+                <a:ea typeface="Times New Roman" panose="02020603050405020304" pitchFamily="18" charset="0"/>
+              </a:rPr>
+              <a:t> </a:t>
+            </a:r>
+            <a:r>
+              <a:rPr lang="en-US" sz="1800" b="1" dirty="0" err="1">
+                <a:solidFill>
+                  <a:schemeClr val="bg1"/>
+                </a:solidFill>
+                <a:effectLst/>
+                <a:latin typeface="Times New Roman" panose="02020603050405020304" pitchFamily="18" charset="0"/>
+                <a:ea typeface="Times New Roman" panose="02020603050405020304" pitchFamily="18" charset="0"/>
+              </a:rPr>
+              <a:t>phân</a:t>
+            </a:r>
+            <a:r>
+              <a:rPr lang="en-US" sz="1800" b="1" dirty="0">
+                <a:solidFill>
+                  <a:schemeClr val="bg1"/>
+                </a:solidFill>
+                <a:effectLst/>
+                <a:latin typeface="Times New Roman" panose="02020603050405020304" pitchFamily="18" charset="0"/>
+                <a:ea typeface="Times New Roman" panose="02020603050405020304" pitchFamily="18" charset="0"/>
+              </a:rPr>
+              <a:t> </a:t>
+            </a:r>
+            <a:r>
+              <a:rPr lang="en-US" sz="1800" b="1" dirty="0" err="1">
+                <a:solidFill>
+                  <a:schemeClr val="bg1"/>
+                </a:solidFill>
+                <a:effectLst/>
+                <a:latin typeface="Times New Roman" panose="02020603050405020304" pitchFamily="18" charset="0"/>
+                <a:ea typeface="Times New Roman" panose="02020603050405020304" pitchFamily="18" charset="0"/>
+              </a:rPr>
+              <a:t>tích</a:t>
+            </a:r>
+            <a:r>
+              <a:rPr lang="en-US" sz="1800" b="1" dirty="0">
+                <a:solidFill>
+                  <a:schemeClr val="bg1"/>
+                </a:solidFill>
+                <a:effectLst/>
+                <a:latin typeface="Times New Roman" panose="02020603050405020304" pitchFamily="18" charset="0"/>
+                <a:ea typeface="Times New Roman" panose="02020603050405020304" pitchFamily="18" charset="0"/>
+              </a:rPr>
+              <a:t> </a:t>
+            </a:r>
+            <a:r>
+              <a:rPr lang="en-US" sz="1800" b="1" dirty="0" err="1">
+                <a:solidFill>
+                  <a:schemeClr val="bg1"/>
+                </a:solidFill>
+                <a:effectLst/>
+                <a:latin typeface="Times New Roman" panose="02020603050405020304" pitchFamily="18" charset="0"/>
+                <a:ea typeface="Times New Roman" panose="02020603050405020304" pitchFamily="18" charset="0"/>
+              </a:rPr>
+              <a:t>rủi</a:t>
+            </a:r>
+            <a:r>
+              <a:rPr lang="en-US" sz="1800" b="1" dirty="0">
+                <a:solidFill>
+                  <a:schemeClr val="bg1"/>
+                </a:solidFill>
+                <a:effectLst/>
+                <a:latin typeface="Times New Roman" panose="02020603050405020304" pitchFamily="18" charset="0"/>
+                <a:ea typeface="Times New Roman" panose="02020603050405020304" pitchFamily="18" charset="0"/>
+              </a:rPr>
+              <a:t> </a:t>
+            </a:r>
+            <a:r>
+              <a:rPr lang="en-US" sz="1800" b="1" dirty="0" err="1">
+                <a:solidFill>
+                  <a:schemeClr val="bg1"/>
+                </a:solidFill>
+                <a:effectLst/>
+                <a:latin typeface="Times New Roman" panose="02020603050405020304" pitchFamily="18" charset="0"/>
+                <a:ea typeface="Times New Roman" panose="02020603050405020304" pitchFamily="18" charset="0"/>
+              </a:rPr>
+              <a:t>ro</a:t>
+            </a:r>
+            <a:endParaRPr lang="vi-VN" sz="1800" b="1" dirty="0">
               <a:solidFill>
                 <a:schemeClr val="bg1"/>
               </a:solidFill>
@@ -16576,6 +16504,87 @@
               <a:latin typeface="Times New Roman" panose="02020603050405020304" pitchFamily="18" charset="0"/>
               <a:ea typeface="Times New Roman" panose="02020603050405020304" pitchFamily="18" charset="0"/>
             </a:endParaRPr>
+          </a:p>
+          <a:p>
+            <a:pPr algn="just"/>
+            <a:r>
+              <a:rPr lang="vi-VN" sz="1400" b="1" i="0" dirty="0">
+                <a:solidFill>
+                  <a:schemeClr val="bg1"/>
+                </a:solidFill>
+                <a:effectLst/>
+                <a:latin typeface="Times New Roman" panose="02020603050405020304" pitchFamily="18" charset="0"/>
+                <a:cs typeface="Times New Roman" panose="02020603050405020304" pitchFamily="18" charset="0"/>
+              </a:rPr>
+              <a:t>- </a:t>
+            </a:r>
+            <a:r>
+              <a:rPr lang="vi-VN" b="1" i="0" dirty="0">
+                <a:solidFill>
+                  <a:schemeClr val="bg1"/>
+                </a:solidFill>
+                <a:effectLst/>
+                <a:latin typeface="Times New Roman" panose="02020603050405020304" pitchFamily="18" charset="0"/>
+                <a:cs typeface="Times New Roman" panose="02020603050405020304" pitchFamily="18" charset="0"/>
+              </a:rPr>
+              <a:t>Giúp cho hoạt động tổ chức công việc của doanh nghiệp được ổn định.</a:t>
+            </a:r>
+          </a:p>
+          <a:p>
+            <a:pPr algn="just"/>
+            <a:r>
+              <a:rPr lang="vi-VN" b="1" i="0" dirty="0">
+                <a:solidFill>
+                  <a:schemeClr val="bg1"/>
+                </a:solidFill>
+                <a:effectLst/>
+                <a:latin typeface="Times New Roman" panose="02020603050405020304" pitchFamily="18" charset="0"/>
+                <a:cs typeface="Times New Roman" panose="02020603050405020304" pitchFamily="18" charset="0"/>
+              </a:rPr>
+              <a:t>- Giúp doanh nghiệp hành động mục tiêu về sứ mệnh và thực hiện tốt kế hoạch kinh doanh.</a:t>
+            </a:r>
+          </a:p>
+          <a:p>
+            <a:pPr algn="just"/>
+            <a:r>
+              <a:rPr lang="vi-VN" b="1" i="0" dirty="0">
+                <a:solidFill>
+                  <a:schemeClr val="bg1"/>
+                </a:solidFill>
+                <a:effectLst/>
+                <a:latin typeface="Times New Roman" panose="02020603050405020304" pitchFamily="18" charset="0"/>
+                <a:cs typeface="Times New Roman" panose="02020603050405020304" pitchFamily="18" charset="0"/>
+              </a:rPr>
+              <a:t>- Hỗ trợ nhân sự cấp cao đưa ra những quyết định đúng đắn nhất.</a:t>
+            </a:r>
+          </a:p>
+          <a:p>
+            <a:pPr algn="just"/>
+            <a:r>
+              <a:rPr lang="vi-VN" b="1" i="0" dirty="0">
+                <a:solidFill>
+                  <a:schemeClr val="bg1"/>
+                </a:solidFill>
+                <a:effectLst/>
+                <a:latin typeface="Times New Roman" panose="02020603050405020304" pitchFamily="18" charset="0"/>
+                <a:cs typeface="Times New Roman" panose="02020603050405020304" pitchFamily="18" charset="0"/>
+              </a:rPr>
+              <a:t>- Làm tăng về vị thế và sự đáng tin cậy của nhà quản trị và doanh nghiệp.</a:t>
+            </a:r>
+          </a:p>
+          <a:p>
+            <a:pPr algn="just"/>
+            <a:r>
+              <a:rPr lang="vi-VN" b="1" i="0" dirty="0">
+                <a:solidFill>
+                  <a:schemeClr val="bg1"/>
+                </a:solidFill>
+                <a:effectLst/>
+                <a:latin typeface="Times New Roman" panose="02020603050405020304" pitchFamily="18" charset="0"/>
+                <a:cs typeface="Times New Roman" panose="02020603050405020304" pitchFamily="18" charset="0"/>
+              </a:rPr>
+              <a:t>- Giúp công ty hành động thành công được những hoạt động bán hàng mang yếu tố mạo hiểm.</a:t>
+            </a:r>
           </a:p>
         </p:txBody>
       </p:sp>
@@ -16593,7 +16602,7 @@
         </p:nvSpPr>
         <p:spPr>
           <a:xfrm>
-            <a:off x="3883740" y="1982831"/>
+            <a:off x="3485807" y="4472031"/>
             <a:ext cx="6105832" cy="1704569"/>
           </a:xfrm>
           <a:prstGeom prst="rect">
@@ -16613,7 +16622,7 @@
               </a:lnSpc>
             </a:pPr>
             <a:r>
-              <a:rPr lang="vi-VN" sz="1800" b="1">
+              <a:rPr lang="vi-VN" sz="1800" b="1" dirty="0">
                 <a:solidFill>
                   <a:schemeClr val="bg1"/>
                 </a:solidFill>
@@ -16624,7 +16633,7 @@
               <a:t>2 </a:t>
             </a:r>
             <a:r>
-              <a:rPr lang="en-US" sz="1800" b="1">
+              <a:rPr lang="en-US" sz="1800" b="1" dirty="0" err="1">
                 <a:solidFill>
                   <a:schemeClr val="bg1"/>
                 </a:solidFill>
@@ -16632,10 +16641,65 @@
                 <a:latin typeface="Times New Roman" panose="02020603050405020304" pitchFamily="18" charset="0"/>
                 <a:ea typeface="Times New Roman" panose="02020603050405020304" pitchFamily="18" charset="0"/>
               </a:rPr>
-              <a:t>Danh sách rủi </a:t>
+              <a:t>Danh</a:t>
             </a:r>
             <a:r>
-              <a:rPr lang="vi-VN" sz="1800" b="1">
+              <a:rPr lang="en-US" sz="1800" b="1" dirty="0">
+                <a:solidFill>
+                  <a:schemeClr val="bg1"/>
+                </a:solidFill>
+                <a:effectLst/>
+                <a:latin typeface="Times New Roman" panose="02020603050405020304" pitchFamily="18" charset="0"/>
+                <a:ea typeface="Times New Roman" panose="02020603050405020304" pitchFamily="18" charset="0"/>
+              </a:rPr>
+              <a:t> </a:t>
+            </a:r>
+            <a:r>
+              <a:rPr lang="en-US" sz="1800" b="1" dirty="0" err="1">
+                <a:solidFill>
+                  <a:schemeClr val="bg1"/>
+                </a:solidFill>
+                <a:effectLst/>
+                <a:latin typeface="Times New Roman" panose="02020603050405020304" pitchFamily="18" charset="0"/>
+                <a:ea typeface="Times New Roman" panose="02020603050405020304" pitchFamily="18" charset="0"/>
+              </a:rPr>
+              <a:t>sách</a:t>
+            </a:r>
+            <a:r>
+              <a:rPr lang="en-US" sz="1800" b="1" dirty="0">
+                <a:solidFill>
+                  <a:schemeClr val="bg1"/>
+                </a:solidFill>
+                <a:effectLst/>
+                <a:latin typeface="Times New Roman" panose="02020603050405020304" pitchFamily="18" charset="0"/>
+                <a:ea typeface="Times New Roman" panose="02020603050405020304" pitchFamily="18" charset="0"/>
+              </a:rPr>
+              <a:t> </a:t>
+            </a:r>
+            <a:r>
+              <a:rPr lang="en-US" sz="1800" b="1" dirty="0" err="1">
+                <a:solidFill>
+                  <a:schemeClr val="bg1"/>
+                </a:solidFill>
+                <a:effectLst/>
+                <a:latin typeface="Times New Roman" panose="02020603050405020304" pitchFamily="18" charset="0"/>
+                <a:ea typeface="Times New Roman" panose="02020603050405020304" pitchFamily="18" charset="0"/>
+              </a:rPr>
+              <a:t>rủi</a:t>
+            </a:r>
+            <a:r>
+              <a:rPr lang="en-US" sz="1800" b="1" dirty="0">
+                <a:solidFill>
+                  <a:schemeClr val="bg1"/>
+                </a:solidFill>
+                <a:effectLst/>
+                <a:latin typeface="Times New Roman" panose="02020603050405020304" pitchFamily="18" charset="0"/>
+                <a:ea typeface="Times New Roman" panose="02020603050405020304" pitchFamily="18" charset="0"/>
+              </a:rPr>
+              <a:t> </a:t>
+            </a:r>
+            <a:r>
+              <a:rPr lang="vi-VN" sz="1800" b="1" dirty="0">
                 <a:solidFill>
                   <a:schemeClr val="bg1"/>
                 </a:solidFill>
@@ -16653,7 +16717,7 @@
               </a:lnSpc>
             </a:pPr>
             <a:r>
-              <a:rPr lang="vi-VN" b="1">
+              <a:rPr lang="vi-VN" b="1" dirty="0">
                 <a:solidFill>
                   <a:schemeClr val="bg1"/>
                 </a:solidFill>
@@ -16670,7 +16734,7 @@
               </a:lnSpc>
             </a:pPr>
             <a:r>
-              <a:rPr lang="vi-VN" sz="1800" b="1">
+              <a:rPr lang="vi-VN" sz="1800" b="1" dirty="0">
                 <a:solidFill>
                   <a:schemeClr val="bg1"/>
                 </a:solidFill>
@@ -16688,7 +16752,7 @@
               </a:lnSpc>
             </a:pPr>
             <a:r>
-              <a:rPr lang="vi-VN" sz="1800" b="1">
+              <a:rPr lang="vi-VN" sz="1800" b="1" dirty="0">
                 <a:solidFill>
                   <a:schemeClr val="bg1"/>
                 </a:solidFill>
@@ -16698,7 +16762,7 @@
               </a:rPr>
               <a:t>-Rủi ro trong qui trinh nghiệp vụ</a:t>
             </a:r>
-            <a:endParaRPr lang="en-US" sz="1800">
+            <a:endParaRPr lang="en-US" sz="1800" dirty="0">
               <a:solidFill>
                 <a:schemeClr val="bg1"/>
               </a:solidFill>
@@ -16723,85 +16787,6 @@
 </file>
 
 <file path=ppt/slides/slide6.xml><?xml version="1.0" encoding="utf-8"?>
-<p:sld xmlns:a="http://schemas.openxmlformats.org/drawingml/2006/main" xmlns:r="http://schemas.openxmlformats.org/officeDocument/2006/relationships" xmlns:p="http://schemas.openxmlformats.org/presentationml/2006/main">
-  <p:cSld>
-    <p:bg>
-      <p:bgPr>
-        <a:blipFill dpi="0" rotWithShape="1">
-          <a:blip r:embed="rId2">
-            <a:lum/>
-          </a:blip>
-          <a:srcRect/>
-          <a:stretch>
-            <a:fillRect l="-40000" r="-40000"/>
-          </a:stretch>
-        </a:blipFill>
-        <a:effectLst/>
-      </p:bgPr>
-    </p:bg>
-    <p:spTree>
-      <p:nvGrpSpPr>
-        <p:cNvPr id="1" name=""/>
-        <p:cNvGrpSpPr/>
-        <p:nvPr/>
-      </p:nvGrpSpPr>
-      <p:grpSpPr>
-        <a:xfrm>
-          <a:off x="0" y="0"/>
-          <a:ext cx="0" cy="0"/>
-          <a:chOff x="0" y="0"/>
-          <a:chExt cx="0" cy="0"/>
-        </a:xfrm>
-      </p:grpSpPr>
-      <p:sp>
-        <p:nvSpPr>
-          <p:cNvPr id="2" name="Text Placeholder 1">
-            <a:extLst>
-              <a:ext uri="{FF2B5EF4-FFF2-40B4-BE49-F238E27FC236}">
-                <a16:creationId xmlns:a16="http://schemas.microsoft.com/office/drawing/2014/main" id="{DA98E657-CE3E-4FC2-9D02-30548105A483}"/>
-              </a:ext>
-            </a:extLst>
-          </p:cNvPr>
-          <p:cNvSpPr>
-            <a:spLocks noGrp="1"/>
-          </p:cNvSpPr>
-          <p:nvPr>
-            <p:ph type="body" sz="quarter" idx="10"/>
-          </p:nvPr>
-        </p:nvSpPr>
-        <p:spPr/>
-        <p:txBody>
-          <a:bodyPr/>
-          <a:lstStyle/>
-          <a:p>
-            <a:r>
-              <a:rPr lang="vi-VN" sz="4800">
-                <a:latin typeface="Calibri" panose="020F0502020204030204" pitchFamily="34" charset="0"/>
-                <a:cs typeface="Calibri" panose="020F0502020204030204" pitchFamily="34" charset="0"/>
-              </a:rPr>
-              <a:t>Tài liệu yêu cầu </a:t>
-            </a:r>
-            <a:endParaRPr lang="en-US" sz="4800">
-              <a:latin typeface="Calibri" panose="020F0502020204030204" pitchFamily="34" charset="0"/>
-              <a:cs typeface="Calibri" panose="020F0502020204030204" pitchFamily="34" charset="0"/>
-            </a:endParaRPr>
-          </a:p>
-        </p:txBody>
-      </p:sp>
-    </p:spTree>
-    <p:extLst>
-      <p:ext uri="{BB962C8B-B14F-4D97-AF65-F5344CB8AC3E}">
-        <p14:creationId xmlns:p14="http://schemas.microsoft.com/office/powerpoint/2010/main" val="713362558"/>
-      </p:ext>
-    </p:extLst>
-  </p:cSld>
-  <p:clrMapOvr>
-    <a:masterClrMapping/>
-  </p:clrMapOvr>
-</p:sld>
-</file>
-
-<file path=ppt/slides/slide7.xml><?xml version="1.0" encoding="utf-8"?>
 <p:sld xmlns:a="http://schemas.openxmlformats.org/drawingml/2006/main" xmlns:r="http://schemas.openxmlformats.org/officeDocument/2006/relationships" xmlns:p="http://schemas.openxmlformats.org/presentationml/2006/main">
   <p:cSld>
     <p:spTree>
@@ -20417,7 +20402,7 @@
 </p:sld>
 </file>
 
-<file path=ppt/slides/slide8.xml><?xml version="1.0" encoding="utf-8"?>
+<file path=ppt/slides/slide7.xml><?xml version="1.0" encoding="utf-8"?>
 <p:sld xmlns:a="http://schemas.openxmlformats.org/drawingml/2006/main" xmlns:r="http://schemas.openxmlformats.org/officeDocument/2006/relationships" xmlns:p="http://schemas.openxmlformats.org/presentationml/2006/main">
   <p:cSld>
     <p:bg>
@@ -20526,7 +20511,7 @@
 </p:sld>
 </file>
 
-<file path=ppt/slides/slide9.xml><?xml version="1.0" encoding="utf-8"?>
+<file path=ppt/slides/slide8.xml><?xml version="1.0" encoding="utf-8"?>
 <p:sld xmlns:a="http://schemas.openxmlformats.org/drawingml/2006/main" xmlns:r="http://schemas.openxmlformats.org/officeDocument/2006/relationships" xmlns:p="http://schemas.openxmlformats.org/presentationml/2006/main">
   <p:cSld>
     <p:bg>
@@ -20658,6 +20643,230 @@
     <p:extLst>
       <p:ext uri="{BB962C8B-B14F-4D97-AF65-F5344CB8AC3E}">
         <p14:creationId xmlns:p14="http://schemas.microsoft.com/office/powerpoint/2010/main" val="2737942562"/>
+      </p:ext>
+    </p:extLst>
+  </p:cSld>
+  <p:clrMapOvr>
+    <a:masterClrMapping/>
+  </p:clrMapOvr>
+</p:sld>
+</file>
+
+<file path=ppt/slides/slide9.xml><?xml version="1.0" encoding="utf-8"?>
+<p:sld xmlns:a="http://schemas.openxmlformats.org/drawingml/2006/main" xmlns:r="http://schemas.openxmlformats.org/officeDocument/2006/relationships" xmlns:p="http://schemas.openxmlformats.org/presentationml/2006/main">
+  <p:cSld>
+    <p:spTree>
+      <p:nvGrpSpPr>
+        <p:cNvPr id="1" name=""/>
+        <p:cNvGrpSpPr/>
+        <p:nvPr/>
+      </p:nvGrpSpPr>
+      <p:grpSpPr>
+        <a:xfrm>
+          <a:off x="0" y="0"/>
+          <a:ext cx="0" cy="0"/>
+          <a:chOff x="0" y="0"/>
+          <a:chExt cx="0" cy="0"/>
+        </a:xfrm>
+      </p:grpSpPr>
+      <p:sp>
+        <p:nvSpPr>
+          <p:cNvPr id="11" name="Rectangle 10">
+            <a:extLst>
+              <a:ext uri="{FF2B5EF4-FFF2-40B4-BE49-F238E27FC236}">
+                <a16:creationId xmlns:a16="http://schemas.microsoft.com/office/drawing/2014/main" id="{88CEC6EF-3D6C-421F-B82A-F3549DDDEB81}"/>
+              </a:ext>
+            </a:extLst>
+          </p:cNvPr>
+          <p:cNvSpPr/>
+          <p:nvPr/>
+        </p:nvSpPr>
+        <p:spPr>
+          <a:xfrm>
+            <a:off x="0" y="2373923"/>
+            <a:ext cx="12192000" cy="2110154"/>
+          </a:xfrm>
+          <a:prstGeom prst="rect">
+            <a:avLst/>
+          </a:prstGeom>
+          <a:solidFill>
+            <a:schemeClr val="accent5">
+              <a:alpha val="70000"/>
+            </a:schemeClr>
+          </a:solidFill>
+          <a:ln>
+            <a:noFill/>
+          </a:ln>
+        </p:spPr>
+        <p:style>
+          <a:lnRef idx="2">
+            <a:schemeClr val="accent1">
+              <a:shade val="50000"/>
+            </a:schemeClr>
+          </a:lnRef>
+          <a:fillRef idx="1">
+            <a:schemeClr val="accent1"/>
+          </a:fillRef>
+          <a:effectRef idx="0">
+            <a:schemeClr val="accent1"/>
+          </a:effectRef>
+          <a:fontRef idx="minor">
+            <a:schemeClr val="lt1"/>
+          </a:fontRef>
+        </p:style>
+        <p:txBody>
+          <a:bodyPr rtlCol="0" anchor="ctr"/>
+          <a:lstStyle/>
+          <a:p>
+            <a:pPr algn="ctr"/>
+            <a:endParaRPr lang="en-US"/>
+          </a:p>
+        </p:txBody>
+      </p:sp>
+      <p:grpSp>
+        <p:nvGrpSpPr>
+          <p:cNvPr id="10" name="Group 9">
+            <a:extLst>
+              <a:ext uri="{FF2B5EF4-FFF2-40B4-BE49-F238E27FC236}">
+                <a16:creationId xmlns:a16="http://schemas.microsoft.com/office/drawing/2014/main" id="{A3070579-6F03-474B-AE81-BC0EF41048BD}"/>
+              </a:ext>
+            </a:extLst>
+          </p:cNvPr>
+          <p:cNvGrpSpPr/>
+          <p:nvPr/>
+        </p:nvGrpSpPr>
+        <p:grpSpPr>
+          <a:xfrm>
+            <a:off x="0" y="2861840"/>
+            <a:ext cx="12192000" cy="1397529"/>
+            <a:chOff x="0" y="2851938"/>
+            <a:chExt cx="12192000" cy="1397529"/>
+          </a:xfrm>
+        </p:grpSpPr>
+        <p:sp>
+          <p:nvSpPr>
+            <p:cNvPr id="2" name="TextBox 1">
+              <a:extLst>
+                <a:ext uri="{FF2B5EF4-FFF2-40B4-BE49-F238E27FC236}">
+                  <a16:creationId xmlns:a16="http://schemas.microsoft.com/office/drawing/2014/main" id="{29E2714A-BE29-4E83-A155-D5802C472B0A}"/>
+                </a:ext>
+              </a:extLst>
+            </p:cNvPr>
+            <p:cNvSpPr txBox="1"/>
+            <p:nvPr/>
+          </p:nvSpPr>
+          <p:spPr>
+            <a:xfrm>
+              <a:off x="0" y="2851938"/>
+              <a:ext cx="12192000" cy="830997"/>
+            </a:xfrm>
+            <a:prstGeom prst="rect">
+              <a:avLst/>
+            </a:prstGeom>
+            <a:noFill/>
+          </p:spPr>
+          <p:txBody>
+            <a:bodyPr wrap="square" rtlCol="0" anchor="ctr">
+              <a:spAutoFit/>
+            </a:bodyPr>
+            <a:lstStyle/>
+            <a:p>
+              <a:pPr algn="ctr"/>
+              <a:r>
+                <a:rPr lang="vi-VN" altLang="ko-KR" sz="4800">
+                  <a:solidFill>
+                    <a:schemeClr val="bg1"/>
+                  </a:solidFill>
+                  <a:latin typeface="+mj-lt"/>
+                  <a:cs typeface="Segoe UI" panose="020B0502040204020203" pitchFamily="34" charset="0"/>
+                </a:rPr>
+                <a:t>CẢM ƠN VÌ ĐÃ LẮNG NGHE</a:t>
+              </a:r>
+              <a:r>
+                <a:rPr lang="en-US" altLang="ko-KR" sz="4800">
+                  <a:solidFill>
+                    <a:schemeClr val="bg1"/>
+                  </a:solidFill>
+                  <a:latin typeface="+mj-lt"/>
+                  <a:cs typeface="Segoe UI" panose="020B0502040204020203" pitchFamily="34" charset="0"/>
+                </a:rPr>
+                <a:t>!</a:t>
+              </a:r>
+              <a:endParaRPr lang="ko-KR" altLang="en-US" sz="4800">
+                <a:solidFill>
+                  <a:schemeClr val="bg1"/>
+                </a:solidFill>
+                <a:latin typeface="+mj-lt"/>
+                <a:cs typeface="Segoe UI" panose="020B0502040204020203" pitchFamily="34" charset="0"/>
+              </a:endParaRPr>
+            </a:p>
+          </p:txBody>
+        </p:sp>
+        <p:sp>
+          <p:nvSpPr>
+            <p:cNvPr id="3" name="TextBox 2">
+              <a:extLst>
+                <a:ext uri="{FF2B5EF4-FFF2-40B4-BE49-F238E27FC236}">
+                  <a16:creationId xmlns:a16="http://schemas.microsoft.com/office/drawing/2014/main" id="{279A9243-91CB-437D-9D82-6D402B13F59A}"/>
+                </a:ext>
+              </a:extLst>
+            </p:cNvPr>
+            <p:cNvSpPr txBox="1"/>
+            <p:nvPr/>
+          </p:nvSpPr>
+          <p:spPr>
+            <a:xfrm>
+              <a:off x="148" y="3772413"/>
+              <a:ext cx="12191852" cy="477054"/>
+            </a:xfrm>
+            <a:prstGeom prst="rect">
+              <a:avLst/>
+            </a:prstGeom>
+            <a:noFill/>
+          </p:spPr>
+          <p:txBody>
+            <a:bodyPr wrap="square" rtlCol="0" anchor="ctr">
+              <a:spAutoFit/>
+            </a:bodyPr>
+            <a:lstStyle/>
+            <a:p>
+              <a:pPr algn="ctr"/>
+              <a:r>
+                <a:rPr lang="en-US" altLang="ko-KR" sz="2500">
+                  <a:solidFill>
+                    <a:schemeClr val="bg1"/>
+                  </a:solidFill>
+                  <a:latin typeface="+mj-lt"/>
+                  <a:cs typeface="Segoe UI" panose="020B0502040204020203" pitchFamily="34" charset="0"/>
+                </a:rPr>
+                <a:t>Chúng tôi rất vui khi thấy ý kiến của bạn </a:t>
+              </a:r>
+              <a:r>
+                <a:rPr lang="en-US" altLang="ko-KR" sz="2500">
+                  <a:solidFill>
+                    <a:schemeClr val="bg1"/>
+                  </a:solidFill>
+                  <a:latin typeface="+mj-lt"/>
+                  <a:cs typeface="Segoe UI" panose="020B0502040204020203" pitchFamily="34" charset="0"/>
+                  <a:sym typeface="Wingdings" panose="05000000000000000000" pitchFamily="2" charset="2"/>
+                </a:rPr>
+                <a:t></a:t>
+              </a:r>
+              <a:endParaRPr lang="ko-KR" altLang="en-US" sz="2500">
+                <a:solidFill>
+                  <a:schemeClr val="bg1"/>
+                </a:solidFill>
+                <a:latin typeface="+mj-lt"/>
+                <a:cs typeface="Segoe UI" panose="020B0502040204020203" pitchFamily="34" charset="0"/>
+              </a:endParaRPr>
+            </a:p>
+          </p:txBody>
+        </p:sp>
+      </p:grpSp>
+    </p:spTree>
+    <p:extLst>
+      <p:ext uri="{BB962C8B-B14F-4D97-AF65-F5344CB8AC3E}">
+        <p14:creationId xmlns:p14="http://schemas.microsoft.com/office/powerpoint/2010/main" val="1241158067"/>
       </p:ext>
     </p:extLst>
   </p:cSld>
